--- a/clases/Cap03_Seleccion_de_Caracteristicas/presentations/PAT03_Fisher_Covarianzas.pptx
+++ b/clases/Cap03_Seleccion_de_Caracteristicas/presentations/PAT03_Fisher_Covarianzas.pptx
@@ -222,7 +222,7 @@
           <a:p>
             <a:fld id="{A31E74E5-43EB-8941-84E7-E76CE2DEF1CC}" type="datetimeFigureOut">
               <a:rPr lang="en-US" smtClean="0"/>
-              <a:t>4/14/20</a:t>
+              <a:t>4/26/21</a:t>
             </a:fld>
             <a:endParaRPr lang="en-US"/>
           </a:p>
@@ -756,7 +756,7 @@
           <a:p>
             <a:fld id="{8BD5799D-8AC1-7647-9F4D-35F314575207}" type="datetimeFigureOut">
               <a:rPr lang="en-US" smtClean="0"/>
-              <a:t>4/14/20</a:t>
+              <a:t>4/26/21</a:t>
             </a:fld>
             <a:endParaRPr lang="en-US"/>
           </a:p>
@@ -924,7 +924,7 @@
           <a:p>
             <a:fld id="{8BD5799D-8AC1-7647-9F4D-35F314575207}" type="datetimeFigureOut">
               <a:rPr lang="en-US" smtClean="0"/>
-              <a:t>4/14/20</a:t>
+              <a:t>4/26/21</a:t>
             </a:fld>
             <a:endParaRPr lang="en-US"/>
           </a:p>
@@ -1102,7 +1102,7 @@
           <a:p>
             <a:fld id="{8BD5799D-8AC1-7647-9F4D-35F314575207}" type="datetimeFigureOut">
               <a:rPr lang="en-US" smtClean="0"/>
-              <a:t>4/14/20</a:t>
+              <a:t>4/26/21</a:t>
             </a:fld>
             <a:endParaRPr lang="en-US"/>
           </a:p>
@@ -1270,7 +1270,7 @@
           <a:p>
             <a:fld id="{8BD5799D-8AC1-7647-9F4D-35F314575207}" type="datetimeFigureOut">
               <a:rPr lang="en-US" smtClean="0"/>
-              <a:t>4/14/20</a:t>
+              <a:t>4/26/21</a:t>
             </a:fld>
             <a:endParaRPr lang="en-US"/>
           </a:p>
@@ -1515,7 +1515,7 @@
           <a:p>
             <a:fld id="{8BD5799D-8AC1-7647-9F4D-35F314575207}" type="datetimeFigureOut">
               <a:rPr lang="en-US" smtClean="0"/>
-              <a:t>4/14/20</a:t>
+              <a:t>4/26/21</a:t>
             </a:fld>
             <a:endParaRPr lang="en-US"/>
           </a:p>
@@ -1800,7 +1800,7 @@
           <a:p>
             <a:fld id="{8BD5799D-8AC1-7647-9F4D-35F314575207}" type="datetimeFigureOut">
               <a:rPr lang="en-US" smtClean="0"/>
-              <a:t>4/14/20</a:t>
+              <a:t>4/26/21</a:t>
             </a:fld>
             <a:endParaRPr lang="en-US"/>
           </a:p>
@@ -2219,7 +2219,7 @@
           <a:p>
             <a:fld id="{8BD5799D-8AC1-7647-9F4D-35F314575207}" type="datetimeFigureOut">
               <a:rPr lang="en-US" smtClean="0"/>
-              <a:t>4/14/20</a:t>
+              <a:t>4/26/21</a:t>
             </a:fld>
             <a:endParaRPr lang="en-US"/>
           </a:p>
@@ -2336,7 +2336,7 @@
           <a:p>
             <a:fld id="{8BD5799D-8AC1-7647-9F4D-35F314575207}" type="datetimeFigureOut">
               <a:rPr lang="en-US" smtClean="0"/>
-              <a:t>4/14/20</a:t>
+              <a:t>4/26/21</a:t>
             </a:fld>
             <a:endParaRPr lang="en-US"/>
           </a:p>
@@ -2431,7 +2431,7 @@
           <a:p>
             <a:fld id="{8BD5799D-8AC1-7647-9F4D-35F314575207}" type="datetimeFigureOut">
               <a:rPr lang="en-US" smtClean="0"/>
-              <a:t>4/14/20</a:t>
+              <a:t>4/26/21</a:t>
             </a:fld>
             <a:endParaRPr lang="en-US"/>
           </a:p>
@@ -2706,7 +2706,7 @@
           <a:p>
             <a:fld id="{8BD5799D-8AC1-7647-9F4D-35F314575207}" type="datetimeFigureOut">
               <a:rPr lang="en-US" smtClean="0"/>
-              <a:t>4/14/20</a:t>
+              <a:t>4/26/21</a:t>
             </a:fld>
             <a:endParaRPr lang="en-US"/>
           </a:p>
@@ -2958,7 +2958,7 @@
           <a:p>
             <a:fld id="{8BD5799D-8AC1-7647-9F4D-35F314575207}" type="datetimeFigureOut">
               <a:rPr lang="en-US" smtClean="0"/>
-              <a:t>4/14/20</a:t>
+              <a:t>4/26/21</a:t>
             </a:fld>
             <a:endParaRPr lang="en-US"/>
           </a:p>
@@ -3169,7 +3169,7 @@
           <a:p>
             <a:fld id="{8BD5799D-8AC1-7647-9F4D-35F314575207}" type="datetimeFigureOut">
               <a:rPr lang="en-US" smtClean="0"/>
-              <a:t>4/14/20</a:t>
+              <a:t>4/26/21</a:t>
             </a:fld>
             <a:endParaRPr lang="en-US"/>
           </a:p>
@@ -4872,7 +4872,7 @@
         <p:spPr>
           <a:xfrm>
             <a:off x="288038" y="144658"/>
-            <a:ext cx="8567923" cy="707886"/>
+            <a:ext cx="8568308" cy="707886"/>
           </a:xfrm>
           <a:prstGeom prst="rect">
             <a:avLst/>
@@ -4891,7 +4891,7 @@
             </a:r>
             <a:r>
               <a:rPr lang="en-US" sz="4000" dirty="0"/>
-              <a:t>  Inter-</a:t>
+              <a:t>  Intra-</a:t>
             </a:r>
             <a:r>
               <a:rPr lang="en-US" sz="4000" dirty="0" err="1"/>
@@ -5071,7 +5071,7 @@
         </p:nvSpPr>
         <p:spPr>
           <a:xfrm>
-            <a:off x="4068418" y="1379343"/>
+            <a:off x="3697357" y="1210770"/>
             <a:ext cx="4284443" cy="646331"/>
           </a:xfrm>
           <a:prstGeom prst="rect">
@@ -11445,6 +11445,42 @@
           </a:p>
         </p:txBody>
       </p:sp>
+      <p:sp>
+        <p:nvSpPr>
+          <p:cNvPr id="23" name="TextBox 22">
+            <a:extLst>
+              <a:ext uri="{FF2B5EF4-FFF2-40B4-BE49-F238E27FC236}">
+                <a16:creationId xmlns:a16="http://schemas.microsoft.com/office/drawing/2014/main" id="{43D7D906-79A1-6942-B7CB-57F65E769004}"/>
+              </a:ext>
+            </a:extLst>
+          </p:cNvPr>
+          <p:cNvSpPr txBox="1"/>
+          <p:nvPr/>
+        </p:nvSpPr>
+        <p:spPr>
+          <a:xfrm>
+            <a:off x="594929" y="220318"/>
+            <a:ext cx="2740174" cy="707886"/>
+          </a:xfrm>
+          <a:prstGeom prst="rect">
+            <a:avLst/>
+          </a:prstGeom>
+          <a:noFill/>
+        </p:spPr>
+        <p:txBody>
+          <a:bodyPr wrap="none" rtlCol="0">
+            <a:spAutoFit/>
+          </a:bodyPr>
+          <a:lstStyle/>
+          <a:p>
+            <a:r>
+              <a:rPr lang="en-US" sz="4000" dirty="0" err="1"/>
+              <a:t>Definiciones</a:t>
+            </a:r>
+            <a:endParaRPr lang="en-US" sz="4000" dirty="0"/>
+          </a:p>
+        </p:txBody>
+      </p:sp>
     </p:spTree>
     <p:extLst>
       <p:ext uri="{BB962C8B-B14F-4D97-AF65-F5344CB8AC3E}">
@@ -11490,7 +11526,7 @@
         <p:spPr>
           <a:xfrm>
             <a:off x="217558" y="235621"/>
-            <a:ext cx="8938344" cy="707886"/>
+            <a:ext cx="8937960" cy="707886"/>
           </a:xfrm>
           <a:prstGeom prst="rect">
             <a:avLst/>
@@ -11509,7 +11545,7 @@
             </a:r>
             <a:r>
               <a:rPr lang="en-US" sz="4000" dirty="0"/>
-              <a:t>  Intra-</a:t>
+              <a:t>  Inter-</a:t>
             </a:r>
             <a:r>
               <a:rPr lang="en-US" sz="4000" dirty="0" err="1"/>

--- a/clases/Cap03_Seleccion_de_Caracteristicas/presentations/PAT03_Fisher_Covarianzas.pptx
+++ b/clases/Cap03_Seleccion_de_Caracteristicas/presentations/PAT03_Fisher_Covarianzas.pptx
@@ -5,7 +5,7 @@
     <p:sldMasterId id="2147483648" r:id="rId1"/>
   </p:sldMasterIdLst>
   <p:notesMasterIdLst>
-    <p:notesMasterId r:id="rId17"/>
+    <p:notesMasterId r:id="rId18"/>
   </p:notesMasterIdLst>
   <p:sldIdLst>
     <p:sldId id="270" r:id="rId2"/>
@@ -21,8 +21,9 @@
     <p:sldId id="280" r:id="rId12"/>
     <p:sldId id="281" r:id="rId13"/>
     <p:sldId id="256" r:id="rId14"/>
-    <p:sldId id="277" r:id="rId15"/>
-    <p:sldId id="283" r:id="rId16"/>
+    <p:sldId id="284" r:id="rId15"/>
+    <p:sldId id="277" r:id="rId16"/>
+    <p:sldId id="283" r:id="rId17"/>
   </p:sldIdLst>
   <p:sldSz cx="9144000" cy="6858000" type="screen4x3"/>
   <p:notesSz cx="6858000" cy="9144000"/>
@@ -222,7 +223,7 @@
           <a:p>
             <a:fld id="{A31E74E5-43EB-8941-84E7-E76CE2DEF1CC}" type="datetimeFigureOut">
               <a:rPr lang="en-US" smtClean="0"/>
-              <a:t>4/26/21</a:t>
+              <a:t>4/29/21</a:t>
             </a:fld>
             <a:endParaRPr lang="en-US"/>
           </a:p>
@@ -756,7 +757,7 @@
           <a:p>
             <a:fld id="{8BD5799D-8AC1-7647-9F4D-35F314575207}" type="datetimeFigureOut">
               <a:rPr lang="en-US" smtClean="0"/>
-              <a:t>4/26/21</a:t>
+              <a:t>4/29/21</a:t>
             </a:fld>
             <a:endParaRPr lang="en-US"/>
           </a:p>
@@ -924,7 +925,7 @@
           <a:p>
             <a:fld id="{8BD5799D-8AC1-7647-9F4D-35F314575207}" type="datetimeFigureOut">
               <a:rPr lang="en-US" smtClean="0"/>
-              <a:t>4/26/21</a:t>
+              <a:t>4/29/21</a:t>
             </a:fld>
             <a:endParaRPr lang="en-US"/>
           </a:p>
@@ -1102,7 +1103,7 @@
           <a:p>
             <a:fld id="{8BD5799D-8AC1-7647-9F4D-35F314575207}" type="datetimeFigureOut">
               <a:rPr lang="en-US" smtClean="0"/>
-              <a:t>4/26/21</a:t>
+              <a:t>4/29/21</a:t>
             </a:fld>
             <a:endParaRPr lang="en-US"/>
           </a:p>
@@ -1270,7 +1271,7 @@
           <a:p>
             <a:fld id="{8BD5799D-8AC1-7647-9F4D-35F314575207}" type="datetimeFigureOut">
               <a:rPr lang="en-US" smtClean="0"/>
-              <a:t>4/26/21</a:t>
+              <a:t>4/29/21</a:t>
             </a:fld>
             <a:endParaRPr lang="en-US"/>
           </a:p>
@@ -1515,7 +1516,7 @@
           <a:p>
             <a:fld id="{8BD5799D-8AC1-7647-9F4D-35F314575207}" type="datetimeFigureOut">
               <a:rPr lang="en-US" smtClean="0"/>
-              <a:t>4/26/21</a:t>
+              <a:t>4/29/21</a:t>
             </a:fld>
             <a:endParaRPr lang="en-US"/>
           </a:p>
@@ -1800,7 +1801,7 @@
           <a:p>
             <a:fld id="{8BD5799D-8AC1-7647-9F4D-35F314575207}" type="datetimeFigureOut">
               <a:rPr lang="en-US" smtClean="0"/>
-              <a:t>4/26/21</a:t>
+              <a:t>4/29/21</a:t>
             </a:fld>
             <a:endParaRPr lang="en-US"/>
           </a:p>
@@ -2219,7 +2220,7 @@
           <a:p>
             <a:fld id="{8BD5799D-8AC1-7647-9F4D-35F314575207}" type="datetimeFigureOut">
               <a:rPr lang="en-US" smtClean="0"/>
-              <a:t>4/26/21</a:t>
+              <a:t>4/29/21</a:t>
             </a:fld>
             <a:endParaRPr lang="en-US"/>
           </a:p>
@@ -2336,7 +2337,7 @@
           <a:p>
             <a:fld id="{8BD5799D-8AC1-7647-9F4D-35F314575207}" type="datetimeFigureOut">
               <a:rPr lang="en-US" smtClean="0"/>
-              <a:t>4/26/21</a:t>
+              <a:t>4/29/21</a:t>
             </a:fld>
             <a:endParaRPr lang="en-US"/>
           </a:p>
@@ -2431,7 +2432,7 @@
           <a:p>
             <a:fld id="{8BD5799D-8AC1-7647-9F4D-35F314575207}" type="datetimeFigureOut">
               <a:rPr lang="en-US" smtClean="0"/>
-              <a:t>4/26/21</a:t>
+              <a:t>4/29/21</a:t>
             </a:fld>
             <a:endParaRPr lang="en-US"/>
           </a:p>
@@ -2706,7 +2707,7 @@
           <a:p>
             <a:fld id="{8BD5799D-8AC1-7647-9F4D-35F314575207}" type="datetimeFigureOut">
               <a:rPr lang="en-US" smtClean="0"/>
-              <a:t>4/26/21</a:t>
+              <a:t>4/29/21</a:t>
             </a:fld>
             <a:endParaRPr lang="en-US"/>
           </a:p>
@@ -2958,7 +2959,7 @@
           <a:p>
             <a:fld id="{8BD5799D-8AC1-7647-9F4D-35F314575207}" type="datetimeFigureOut">
               <a:rPr lang="en-US" smtClean="0"/>
-              <a:t>4/26/21</a:t>
+              <a:t>4/29/21</a:t>
             </a:fld>
             <a:endParaRPr lang="en-US"/>
           </a:p>
@@ -3169,7 +3170,7 @@
           <a:p>
             <a:fld id="{8BD5799D-8AC1-7647-9F4D-35F314575207}" type="datetimeFigureOut">
               <a:rPr lang="en-US" smtClean="0"/>
-              <a:t>4/26/21</a:t>
+              <a:t>4/29/21</a:t>
             </a:fld>
             <a:endParaRPr lang="en-US"/>
           </a:p>
@@ -5057,83 +5058,6 @@
           </a:fontRef>
         </p:style>
       </p:cxnSp>
-      <p:sp>
-        <p:nvSpPr>
-          <p:cNvPr id="63" name="TextBox 62">
-            <a:extLst>
-              <a:ext uri="{FF2B5EF4-FFF2-40B4-BE49-F238E27FC236}">
-                <a16:creationId xmlns:a16="http://schemas.microsoft.com/office/drawing/2014/main" id="{F4E411AC-EE8B-E049-8593-51D3EA86288F}"/>
-              </a:ext>
-            </a:extLst>
-          </p:cNvPr>
-          <p:cNvSpPr txBox="1"/>
-          <p:nvPr/>
-        </p:nvSpPr>
-        <p:spPr>
-          <a:xfrm>
-            <a:off x="3697357" y="1210770"/>
-            <a:ext cx="4284443" cy="646331"/>
-          </a:xfrm>
-          <a:prstGeom prst="rect">
-            <a:avLst/>
-          </a:prstGeom>
-          <a:noFill/>
-        </p:spPr>
-        <p:txBody>
-          <a:bodyPr wrap="none" rtlCol="0">
-            <a:spAutoFit/>
-          </a:bodyPr>
-          <a:lstStyle/>
-          <a:p>
-            <a:r>
-              <a:rPr lang="en-US" dirty="0" err="1"/>
-              <a:t>Promedio</a:t>
-            </a:r>
-            <a:r>
-              <a:rPr lang="en-US" dirty="0"/>
-              <a:t> </a:t>
-            </a:r>
-            <a:r>
-              <a:rPr lang="en-US" dirty="0" err="1"/>
-              <a:t>ponderado</a:t>
-            </a:r>
-            <a:r>
-              <a:rPr lang="en-US" dirty="0"/>
-              <a:t> de las </a:t>
-            </a:r>
-            <a:r>
-              <a:rPr lang="en-US" dirty="0" err="1"/>
-              <a:t>Covarianzas</a:t>
-            </a:r>
-            <a:r>
-              <a:rPr lang="en-US" dirty="0"/>
-              <a:t> de </a:t>
-            </a:r>
-          </a:p>
-          <a:p>
-            <a:r>
-              <a:rPr lang="en-US" dirty="0"/>
-              <a:t>la </a:t>
-            </a:r>
-            <a:r>
-              <a:rPr lang="en-US" dirty="0" err="1"/>
-              <a:t>cada</a:t>
-            </a:r>
-            <a:r>
-              <a:rPr lang="en-US" dirty="0"/>
-              <a:t> </a:t>
-            </a:r>
-            <a:r>
-              <a:rPr lang="en-US" dirty="0" err="1"/>
-              <a:t>clase</a:t>
-            </a:r>
-            <a:endParaRPr lang="en-US" i="1" dirty="0">
-              <a:latin typeface="Times New Roman" panose="02020603050405020304" pitchFamily="18" charset="0"/>
-              <a:cs typeface="Times New Roman" panose="02020603050405020304" pitchFamily="18" charset="0"/>
-            </a:endParaRPr>
-          </a:p>
-        </p:txBody>
-      </p:sp>
       <p:pic>
         <p:nvPicPr>
           <p:cNvPr id="40" name="Picture 39">
@@ -5215,6 +5139,83 @@
               </a:rPr>
               <a:t>k</a:t>
             </a:r>
+          </a:p>
+        </p:txBody>
+      </p:sp>
+      <p:sp>
+        <p:nvSpPr>
+          <p:cNvPr id="11" name="TextBox 10">
+            <a:extLst>
+              <a:ext uri="{FF2B5EF4-FFF2-40B4-BE49-F238E27FC236}">
+                <a16:creationId xmlns:a16="http://schemas.microsoft.com/office/drawing/2014/main" id="{7BACB381-4FD9-DA42-939D-E641873A26A1}"/>
+              </a:ext>
+            </a:extLst>
+          </p:cNvPr>
+          <p:cNvSpPr txBox="1"/>
+          <p:nvPr/>
+        </p:nvSpPr>
+        <p:spPr>
+          <a:xfrm>
+            <a:off x="4068418" y="1379343"/>
+            <a:ext cx="4284443" cy="646331"/>
+          </a:xfrm>
+          <a:prstGeom prst="rect">
+            <a:avLst/>
+          </a:prstGeom>
+          <a:noFill/>
+        </p:spPr>
+        <p:txBody>
+          <a:bodyPr wrap="none" rtlCol="0">
+            <a:spAutoFit/>
+          </a:bodyPr>
+          <a:lstStyle/>
+          <a:p>
+            <a:r>
+              <a:rPr lang="en-US" dirty="0" err="1"/>
+              <a:t>Promedio</a:t>
+            </a:r>
+            <a:r>
+              <a:rPr lang="en-US" dirty="0"/>
+              <a:t> </a:t>
+            </a:r>
+            <a:r>
+              <a:rPr lang="en-US" dirty="0" err="1"/>
+              <a:t>ponderado</a:t>
+            </a:r>
+            <a:r>
+              <a:rPr lang="en-US" dirty="0"/>
+              <a:t> de las </a:t>
+            </a:r>
+            <a:r>
+              <a:rPr lang="en-US" dirty="0" err="1"/>
+              <a:t>Covarianzas</a:t>
+            </a:r>
+            <a:r>
+              <a:rPr lang="en-US" dirty="0"/>
+              <a:t> de </a:t>
+            </a:r>
+          </a:p>
+          <a:p>
+            <a:r>
+              <a:rPr lang="en-US" dirty="0"/>
+              <a:t>la </a:t>
+            </a:r>
+            <a:r>
+              <a:rPr lang="en-US" dirty="0" err="1"/>
+              <a:t>cada</a:t>
+            </a:r>
+            <a:r>
+              <a:rPr lang="en-US" dirty="0"/>
+              <a:t> </a:t>
+            </a:r>
+            <a:r>
+              <a:rPr lang="en-US" dirty="0" err="1"/>
+              <a:t>clase</a:t>
+            </a:r>
+            <a:endParaRPr lang="en-US" i="1" dirty="0">
+              <a:latin typeface="Times New Roman" panose="02020603050405020304" pitchFamily="18" charset="0"/>
+              <a:cs typeface="Times New Roman" panose="02020603050405020304" pitchFamily="18" charset="0"/>
+            </a:endParaRPr>
           </a:p>
         </p:txBody>
       </p:sp>
@@ -5293,7 +5294,7 @@
         <p:spPr>
           <a:xfrm>
             <a:off x="288038" y="144658"/>
-            <a:ext cx="8567923" cy="707886"/>
+            <a:ext cx="8568308" cy="707886"/>
           </a:xfrm>
           <a:prstGeom prst="rect">
             <a:avLst/>
@@ -5312,7 +5313,7 @@
             </a:r>
             <a:r>
               <a:rPr lang="en-US" sz="4000" dirty="0"/>
-              <a:t>  Inter-</a:t>
+              <a:t>  Intra-</a:t>
             </a:r>
             <a:r>
               <a:rPr lang="en-US" sz="4000" dirty="0" err="1"/>
@@ -5792,7 +5793,7 @@
         <p:spPr>
           <a:xfrm>
             <a:off x="288038" y="144658"/>
-            <a:ext cx="8567923" cy="707886"/>
+            <a:ext cx="8568308" cy="707886"/>
           </a:xfrm>
           <a:prstGeom prst="rect">
             <a:avLst/>
@@ -5811,7 +5812,7 @@
             </a:r>
             <a:r>
               <a:rPr lang="en-US" sz="4000" dirty="0"/>
-              <a:t>  Inter-</a:t>
+              <a:t>  Intra-</a:t>
             </a:r>
             <a:r>
               <a:rPr lang="en-US" sz="4000" dirty="0" err="1"/>
@@ -6291,7 +6292,7 @@
         <p:spPr>
           <a:xfrm>
             <a:off x="288038" y="144658"/>
-            <a:ext cx="8567923" cy="707886"/>
+            <a:ext cx="8568308" cy="707886"/>
           </a:xfrm>
           <a:prstGeom prst="rect">
             <a:avLst/>
@@ -6310,7 +6311,7 @@
             </a:r>
             <a:r>
               <a:rPr lang="en-US" sz="4000" dirty="0"/>
-              <a:t>  Inter-</a:t>
+              <a:t>  Intra-</a:t>
             </a:r>
             <a:r>
               <a:rPr lang="en-US" sz="4000" dirty="0" err="1"/>
@@ -6759,8 +6760,8 @@
         </p:nvSpPr>
         <p:spPr>
           <a:xfrm>
-            <a:off x="360769" y="395126"/>
-            <a:ext cx="3893310" cy="707886"/>
+            <a:off x="1124678" y="283740"/>
+            <a:ext cx="6894644" cy="523220"/>
           </a:xfrm>
           <a:prstGeom prst="rect">
             <a:avLst/>
@@ -6774,22 +6775,38 @@
           <a:lstStyle/>
           <a:p>
             <a:r>
-              <a:rPr lang="en-US" sz="4000" dirty="0" err="1"/>
-              <a:t>Criterio</a:t>
-            </a:r>
-            <a:r>
-              <a:rPr lang="en-US" sz="4000" dirty="0"/>
-              <a:t> de Fisher:</a:t>
+              <a:rPr lang="en-US" sz="2800" dirty="0"/>
+              <a:t>Strategy: </a:t>
+            </a:r>
+            <a:r>
+              <a:rPr lang="en-US" sz="2800" dirty="0">
+                <a:solidFill>
+                  <a:srgbClr val="FF0000"/>
+                </a:solidFill>
+              </a:rPr>
+              <a:t>Inter-Class HIGH</a:t>
+            </a:r>
+            <a:r>
+              <a:rPr lang="en-US" sz="2800" dirty="0"/>
+              <a:t>  +   </a:t>
+            </a:r>
+            <a:r>
+              <a:rPr lang="en-US" sz="2800" dirty="0">
+                <a:solidFill>
+                  <a:srgbClr val="0432FF"/>
+                </a:solidFill>
+              </a:rPr>
+              <a:t>Intra-Class LOW </a:t>
             </a:r>
           </a:p>
         </p:txBody>
       </p:sp>
       <p:pic>
         <p:nvPicPr>
-          <p:cNvPr id="2" name="Picture 1">
-            <a:extLst>
-              <a:ext uri="{FF2B5EF4-FFF2-40B4-BE49-F238E27FC236}">
-                <a16:creationId xmlns:a16="http://schemas.microsoft.com/office/drawing/2014/main" id="{B3D29C53-8D40-244A-B71E-9E9930680C9A}"/>
+          <p:cNvPr id="13" name="Picture 12">
+            <a:extLst>
+              <a:ext uri="{FF2B5EF4-FFF2-40B4-BE49-F238E27FC236}">
+                <a16:creationId xmlns:a16="http://schemas.microsoft.com/office/drawing/2014/main" id="{F82D79F8-5E23-0A4E-B163-A5AAED8A5DCA}"/>
               </a:ext>
             </a:extLst>
           </p:cNvPr>
@@ -6806,20 +6823,152 @@
         </p:blipFill>
         <p:spPr>
           <a:xfrm>
-            <a:off x="4254079" y="2213110"/>
-            <a:ext cx="4291377" cy="738913"/>
+            <a:off x="1311656" y="1112377"/>
+            <a:ext cx="6052457" cy="5022915"/>
           </a:xfrm>
           <a:prstGeom prst="rect">
             <a:avLst/>
           </a:prstGeom>
         </p:spPr>
       </p:pic>
+      <p:sp>
+        <p:nvSpPr>
+          <p:cNvPr id="14" name="Oval 13">
+            <a:extLst>
+              <a:ext uri="{FF2B5EF4-FFF2-40B4-BE49-F238E27FC236}">
+                <a16:creationId xmlns:a16="http://schemas.microsoft.com/office/drawing/2014/main" id="{2D469A7B-E0B6-294F-A910-D515AFDE8A50}"/>
+              </a:ext>
+            </a:extLst>
+          </p:cNvPr>
+          <p:cNvSpPr/>
+          <p:nvPr/>
+        </p:nvSpPr>
+        <p:spPr>
+          <a:xfrm>
+            <a:off x="3519251" y="2797256"/>
+            <a:ext cx="95818" cy="118677"/>
+          </a:xfrm>
+          <a:prstGeom prst="ellipse">
+            <a:avLst/>
+          </a:prstGeom>
+        </p:spPr>
+        <p:style>
+          <a:lnRef idx="1">
+            <a:schemeClr val="accent1"/>
+          </a:lnRef>
+          <a:fillRef idx="3">
+            <a:schemeClr val="accent1"/>
+          </a:fillRef>
+          <a:effectRef idx="2">
+            <a:schemeClr val="accent1"/>
+          </a:effectRef>
+          <a:fontRef idx="minor">
+            <a:schemeClr val="lt1"/>
+          </a:fontRef>
+        </p:style>
+        <p:txBody>
+          <a:bodyPr rtlCol="0" anchor="ctr"/>
+          <a:lstStyle/>
+          <a:p>
+            <a:pPr algn="ctr"/>
+            <a:endParaRPr lang="en-US"/>
+          </a:p>
+        </p:txBody>
+      </p:sp>
+      <p:sp>
+        <p:nvSpPr>
+          <p:cNvPr id="15" name="Oval 14">
+            <a:extLst>
+              <a:ext uri="{FF2B5EF4-FFF2-40B4-BE49-F238E27FC236}">
+                <a16:creationId xmlns:a16="http://schemas.microsoft.com/office/drawing/2014/main" id="{5C10A02D-1235-F149-A634-C0E1D0C2181A}"/>
+              </a:ext>
+            </a:extLst>
+          </p:cNvPr>
+          <p:cNvSpPr/>
+          <p:nvPr/>
+        </p:nvSpPr>
+        <p:spPr>
+          <a:xfrm>
+            <a:off x="5345365" y="2810511"/>
+            <a:ext cx="95818" cy="118677"/>
+          </a:xfrm>
+          <a:prstGeom prst="ellipse">
+            <a:avLst/>
+          </a:prstGeom>
+        </p:spPr>
+        <p:style>
+          <a:lnRef idx="1">
+            <a:schemeClr val="accent1"/>
+          </a:lnRef>
+          <a:fillRef idx="3">
+            <a:schemeClr val="accent1"/>
+          </a:fillRef>
+          <a:effectRef idx="2">
+            <a:schemeClr val="accent1"/>
+          </a:effectRef>
+          <a:fontRef idx="minor">
+            <a:schemeClr val="lt1"/>
+          </a:fontRef>
+        </p:style>
+        <p:txBody>
+          <a:bodyPr rtlCol="0" anchor="ctr"/>
+          <a:lstStyle/>
+          <a:p>
+            <a:pPr algn="ctr"/>
+            <a:endParaRPr lang="en-US"/>
+          </a:p>
+        </p:txBody>
+      </p:sp>
+      <p:sp>
+        <p:nvSpPr>
+          <p:cNvPr id="16" name="Oval 15">
+            <a:extLst>
+              <a:ext uri="{FF2B5EF4-FFF2-40B4-BE49-F238E27FC236}">
+                <a16:creationId xmlns:a16="http://schemas.microsoft.com/office/drawing/2014/main" id="{C0792535-B03B-C547-AE61-CBEAB57C84DD}"/>
+              </a:ext>
+            </a:extLst>
+          </p:cNvPr>
+          <p:cNvSpPr/>
+          <p:nvPr/>
+        </p:nvSpPr>
+        <p:spPr>
+          <a:xfrm>
+            <a:off x="5299775" y="4313211"/>
+            <a:ext cx="95818" cy="118677"/>
+          </a:xfrm>
+          <a:prstGeom prst="ellipse">
+            <a:avLst/>
+          </a:prstGeom>
+        </p:spPr>
+        <p:style>
+          <a:lnRef idx="1">
+            <a:schemeClr val="accent1"/>
+          </a:lnRef>
+          <a:fillRef idx="3">
+            <a:schemeClr val="accent1"/>
+          </a:fillRef>
+          <a:effectRef idx="2">
+            <a:schemeClr val="accent1"/>
+          </a:effectRef>
+          <a:fontRef idx="minor">
+            <a:schemeClr val="lt1"/>
+          </a:fontRef>
+        </p:style>
+        <p:txBody>
+          <a:bodyPr rtlCol="0" anchor="ctr"/>
+          <a:lstStyle/>
+          <a:p>
+            <a:pPr algn="ctr"/>
+            <a:endParaRPr lang="en-US"/>
+          </a:p>
+        </p:txBody>
+      </p:sp>
       <p:pic>
         <p:nvPicPr>
-          <p:cNvPr id="9" name="Picture 8">
-            <a:extLst>
-              <a:ext uri="{FF2B5EF4-FFF2-40B4-BE49-F238E27FC236}">
-                <a16:creationId xmlns:a16="http://schemas.microsoft.com/office/drawing/2014/main" id="{3A21CD80-78E0-4742-9714-1BD871DBDEFB}"/>
+          <p:cNvPr id="17" name="Picture 16">
+            <a:extLst>
+              <a:ext uri="{FF2B5EF4-FFF2-40B4-BE49-F238E27FC236}">
+                <a16:creationId xmlns:a16="http://schemas.microsoft.com/office/drawing/2014/main" id="{E1E6194A-B6B5-A944-8672-79C222B89C3B}"/>
               </a:ext>
             </a:extLst>
           </p:cNvPr>
@@ -6836,178 +6985,23 @@
         </p:blipFill>
         <p:spPr>
           <a:xfrm>
-            <a:off x="725557" y="1958486"/>
-            <a:ext cx="2456688" cy="1050036"/>
+            <a:off x="5569786" y="4204985"/>
+            <a:ext cx="333909" cy="311648"/>
           </a:xfrm>
           <a:prstGeom prst="rect">
             <a:avLst/>
           </a:prstGeom>
+          <a:solidFill>
+            <a:schemeClr val="bg1"/>
+          </a:solidFill>
         </p:spPr>
       </p:pic>
-      <p:sp>
-        <p:nvSpPr>
-          <p:cNvPr id="11" name="TextBox 10">
-            <a:extLst>
-              <a:ext uri="{FF2B5EF4-FFF2-40B4-BE49-F238E27FC236}">
-                <a16:creationId xmlns:a16="http://schemas.microsoft.com/office/drawing/2014/main" id="{3951F9EA-9FEA-EE4A-95F6-56D7381E09FF}"/>
-              </a:ext>
-            </a:extLst>
-          </p:cNvPr>
-          <p:cNvSpPr txBox="1"/>
-          <p:nvPr/>
-        </p:nvSpPr>
-        <p:spPr>
-          <a:xfrm>
-            <a:off x="447925" y="1282581"/>
-            <a:ext cx="3486788" cy="523220"/>
-          </a:xfrm>
-          <a:prstGeom prst="rect">
-            <a:avLst/>
-          </a:prstGeom>
-          <a:noFill/>
-        </p:spPr>
-        <p:txBody>
-          <a:bodyPr wrap="none" rtlCol="0">
-            <a:spAutoFit/>
-          </a:bodyPr>
-          <a:lstStyle/>
-          <a:p>
-            <a:r>
-              <a:rPr lang="en-US" sz="2800" dirty="0" err="1"/>
-              <a:t>Covarianza</a:t>
-            </a:r>
-            <a:r>
-              <a:rPr lang="en-US" sz="2800" dirty="0"/>
-              <a:t>  Inter-</a:t>
-            </a:r>
-            <a:r>
-              <a:rPr lang="en-US" sz="2800" dirty="0" err="1"/>
-              <a:t>Clase</a:t>
-            </a:r>
-            <a:endParaRPr lang="en-US" sz="2800" dirty="0"/>
-          </a:p>
-        </p:txBody>
-      </p:sp>
-      <p:sp>
-        <p:nvSpPr>
-          <p:cNvPr id="12" name="TextBox 11">
-            <a:extLst>
-              <a:ext uri="{FF2B5EF4-FFF2-40B4-BE49-F238E27FC236}">
-                <a16:creationId xmlns:a16="http://schemas.microsoft.com/office/drawing/2014/main" id="{3EF38E94-4E57-AB44-99C4-060E6E537DD5}"/>
-              </a:ext>
-            </a:extLst>
-          </p:cNvPr>
-          <p:cNvSpPr txBox="1"/>
-          <p:nvPr/>
-        </p:nvSpPr>
-        <p:spPr>
-          <a:xfrm>
-            <a:off x="4424146" y="1282581"/>
-            <a:ext cx="3487365" cy="523220"/>
-          </a:xfrm>
-          <a:prstGeom prst="rect">
-            <a:avLst/>
-          </a:prstGeom>
-          <a:noFill/>
-        </p:spPr>
-        <p:txBody>
-          <a:bodyPr wrap="none" rtlCol="0">
-            <a:spAutoFit/>
-          </a:bodyPr>
-          <a:lstStyle/>
-          <a:p>
-            <a:r>
-              <a:rPr lang="en-US" sz="2800" dirty="0" err="1"/>
-              <a:t>Covarianza</a:t>
-            </a:r>
-            <a:r>
-              <a:rPr lang="en-US" sz="2800" dirty="0"/>
-              <a:t>  Intra-</a:t>
-            </a:r>
-            <a:r>
-              <a:rPr lang="en-US" sz="2800" dirty="0" err="1"/>
-              <a:t>Clase</a:t>
-            </a:r>
-            <a:endParaRPr lang="en-US" sz="2800" dirty="0"/>
-          </a:p>
-        </p:txBody>
-      </p:sp>
-      <p:sp>
-        <p:nvSpPr>
-          <p:cNvPr id="3" name="TextBox 2">
-            <a:extLst>
-              <a:ext uri="{FF2B5EF4-FFF2-40B4-BE49-F238E27FC236}">
-                <a16:creationId xmlns:a16="http://schemas.microsoft.com/office/drawing/2014/main" id="{4829C1E9-4CB5-054B-8024-DE9809CF8A55}"/>
-              </a:ext>
-            </a:extLst>
-          </p:cNvPr>
-          <p:cNvSpPr txBox="1"/>
-          <p:nvPr/>
-        </p:nvSpPr>
-        <p:spPr>
-          <a:xfrm>
-            <a:off x="5346770" y="3174666"/>
-            <a:ext cx="1642116" cy="369332"/>
-          </a:xfrm>
-          <a:prstGeom prst="rect">
-            <a:avLst/>
-          </a:prstGeom>
-          <a:noFill/>
-        </p:spPr>
-        <p:txBody>
-          <a:bodyPr wrap="none" rtlCol="0">
-            <a:spAutoFit/>
-          </a:bodyPr>
-          <a:lstStyle/>
-          <a:p>
-            <a:r>
-              <a:rPr lang="en-US" dirty="0"/>
-              <a:t>DEBE SER ALTA!</a:t>
-            </a:r>
-          </a:p>
-        </p:txBody>
-      </p:sp>
-      <p:sp>
-        <p:nvSpPr>
-          <p:cNvPr id="14" name="TextBox 13">
-            <a:extLst>
-              <a:ext uri="{FF2B5EF4-FFF2-40B4-BE49-F238E27FC236}">
-                <a16:creationId xmlns:a16="http://schemas.microsoft.com/office/drawing/2014/main" id="{C503AEA8-8342-F04C-8DBB-23EF0FF50BD4}"/>
-              </a:ext>
-            </a:extLst>
-          </p:cNvPr>
-          <p:cNvSpPr txBox="1"/>
-          <p:nvPr/>
-        </p:nvSpPr>
-        <p:spPr>
-          <a:xfrm>
-            <a:off x="1132843" y="3174666"/>
-            <a:ext cx="1662186" cy="369332"/>
-          </a:xfrm>
-          <a:prstGeom prst="rect">
-            <a:avLst/>
-          </a:prstGeom>
-          <a:noFill/>
-        </p:spPr>
-        <p:txBody>
-          <a:bodyPr wrap="none" rtlCol="0">
-            <a:spAutoFit/>
-          </a:bodyPr>
-          <a:lstStyle/>
-          <a:p>
-            <a:r>
-              <a:rPr lang="en-US" dirty="0"/>
-              <a:t>DEBE SER BAJA!</a:t>
-            </a:r>
-          </a:p>
-        </p:txBody>
-      </p:sp>
       <p:pic>
         <p:nvPicPr>
-          <p:cNvPr id="5" name="Picture 4">
-            <a:extLst>
-              <a:ext uri="{FF2B5EF4-FFF2-40B4-BE49-F238E27FC236}">
-                <a16:creationId xmlns:a16="http://schemas.microsoft.com/office/drawing/2014/main" id="{E18C0584-6037-E343-8A68-09E383F46623}"/>
+          <p:cNvPr id="18" name="Picture 17">
+            <a:extLst>
+              <a:ext uri="{FF2B5EF4-FFF2-40B4-BE49-F238E27FC236}">
+                <a16:creationId xmlns:a16="http://schemas.microsoft.com/office/drawing/2014/main" id="{F4B4D7D4-DAF2-044A-9739-982A22760F51}"/>
               </a:ext>
             </a:extLst>
           </p:cNvPr>
@@ -7024,102 +7018,604 @@
         </p:blipFill>
         <p:spPr>
           <a:xfrm>
-            <a:off x="2763517" y="4472039"/>
-            <a:ext cx="3594100" cy="571500"/>
+            <a:off x="3001037" y="2689030"/>
+            <a:ext cx="345039" cy="311648"/>
           </a:xfrm>
           <a:prstGeom prst="rect">
             <a:avLst/>
           </a:prstGeom>
+          <a:solidFill>
+            <a:schemeClr val="bg1"/>
+          </a:solidFill>
         </p:spPr>
       </p:pic>
-      <p:sp>
-        <p:nvSpPr>
-          <p:cNvPr id="16" name="TextBox 15">
-            <a:extLst>
-              <a:ext uri="{FF2B5EF4-FFF2-40B4-BE49-F238E27FC236}">
-                <a16:creationId xmlns:a16="http://schemas.microsoft.com/office/drawing/2014/main" id="{AA882995-8FB4-C849-8AEF-AA91D6D81250}"/>
-              </a:ext>
-            </a:extLst>
-          </p:cNvPr>
-          <p:cNvSpPr txBox="1"/>
-          <p:nvPr/>
-        </p:nvSpPr>
-        <p:spPr>
-          <a:xfrm>
-            <a:off x="3934713" y="6025570"/>
-            <a:ext cx="2066591" cy="369332"/>
+      <p:pic>
+        <p:nvPicPr>
+          <p:cNvPr id="19" name="Picture 18">
+            <a:extLst>
+              <a:ext uri="{FF2B5EF4-FFF2-40B4-BE49-F238E27FC236}">
+                <a16:creationId xmlns:a16="http://schemas.microsoft.com/office/drawing/2014/main" id="{ABF03BCA-5C84-5E46-AF3E-060FBDA99528}"/>
+              </a:ext>
+            </a:extLst>
+          </p:cNvPr>
+          <p:cNvPicPr>
+            <a:picLocks noChangeAspect="1"/>
+          </p:cNvPicPr>
+          <p:nvPr/>
+        </p:nvPicPr>
+        <p:blipFill>
+          <a:blip r:embed="rId5"/>
+          <a:stretch>
+            <a:fillRect/>
+          </a:stretch>
+        </p:blipFill>
+        <p:spPr>
+          <a:xfrm>
+            <a:off x="5608752" y="2698970"/>
+            <a:ext cx="345039" cy="311648"/>
           </a:xfrm>
           <a:prstGeom prst="rect">
             <a:avLst/>
           </a:prstGeom>
-          <a:noFill/>
-        </p:spPr>
-        <p:txBody>
-          <a:bodyPr wrap="none" rtlCol="0">
-            <a:spAutoFit/>
-          </a:bodyPr>
-          <a:lstStyle/>
-          <a:p>
-            <a:r>
-              <a:rPr lang="en-US" dirty="0"/>
-              <a:t>Suma de la diagonal</a:t>
-            </a:r>
-            <a:endParaRPr lang="en-US" i="1" dirty="0">
-              <a:latin typeface="Times New Roman" panose="02020603050405020304" pitchFamily="18" charset="0"/>
-              <a:cs typeface="Times New Roman" panose="02020603050405020304" pitchFamily="18" charset="0"/>
-            </a:endParaRPr>
-          </a:p>
-        </p:txBody>
-      </p:sp>
-      <p:cxnSp>
-        <p:nvCxnSpPr>
-          <p:cNvPr id="17" name="Straight Arrow Connector 16">
-            <a:extLst>
-              <a:ext uri="{FF2B5EF4-FFF2-40B4-BE49-F238E27FC236}">
-                <a16:creationId xmlns:a16="http://schemas.microsoft.com/office/drawing/2014/main" id="{D1FB69CD-36A9-FA46-8A45-B4318B27F32B}"/>
-              </a:ext>
-            </a:extLst>
-          </p:cNvPr>
-          <p:cNvCxnSpPr/>
-          <p:nvPr/>
-        </p:nvCxnSpPr>
-        <p:spPr>
-          <a:xfrm flipV="1">
-            <a:off x="4183191" y="5110670"/>
-            <a:ext cx="0" cy="859733"/>
-          </a:xfrm>
-          <a:prstGeom prst="straightConnector1">
-            <a:avLst/>
-          </a:prstGeom>
-          <a:ln>
-            <a:tailEnd type="triangle"/>
-          </a:ln>
+          <a:solidFill>
+            <a:schemeClr val="bg1"/>
+          </a:solidFill>
+        </p:spPr>
+      </p:pic>
+      <p:sp>
+        <p:nvSpPr>
+          <p:cNvPr id="20" name="5-point Star 19">
+            <a:extLst>
+              <a:ext uri="{FF2B5EF4-FFF2-40B4-BE49-F238E27FC236}">
+                <a16:creationId xmlns:a16="http://schemas.microsoft.com/office/drawing/2014/main" id="{5B482E99-1E84-2244-B038-E90223FCB90C}"/>
+              </a:ext>
+            </a:extLst>
+          </p:cNvPr>
+          <p:cNvSpPr/>
+          <p:nvPr/>
+        </p:nvSpPr>
+        <p:spPr>
+          <a:xfrm>
+            <a:off x="4585731" y="3210281"/>
+            <a:ext cx="270030" cy="228877"/>
+          </a:xfrm>
+          <a:prstGeom prst="star5">
+            <a:avLst/>
+          </a:prstGeom>
+          <a:solidFill>
+            <a:srgbClr val="FFC000"/>
+          </a:solidFill>
         </p:spPr>
         <p:style>
-          <a:lnRef idx="2">
+          <a:lnRef idx="1">
             <a:schemeClr val="accent1"/>
           </a:lnRef>
-          <a:fillRef idx="0">
+          <a:fillRef idx="3">
             <a:schemeClr val="accent1"/>
           </a:fillRef>
-          <a:effectRef idx="1">
+          <a:effectRef idx="2">
             <a:schemeClr val="accent1"/>
           </a:effectRef>
           <a:fontRef idx="minor">
-            <a:schemeClr val="tx1"/>
+            <a:schemeClr val="lt1"/>
           </a:fontRef>
         </p:style>
-      </p:cxnSp>
+        <p:txBody>
+          <a:bodyPr rtlCol="0" anchor="ctr"/>
+          <a:lstStyle/>
+          <a:p>
+            <a:pPr algn="ctr"/>
+            <a:endParaRPr lang="en-US" dirty="0"/>
+          </a:p>
+        </p:txBody>
+      </p:sp>
+      <p:pic>
+        <p:nvPicPr>
+          <p:cNvPr id="21" name="Picture 20">
+            <a:extLst>
+              <a:ext uri="{FF2B5EF4-FFF2-40B4-BE49-F238E27FC236}">
+                <a16:creationId xmlns:a16="http://schemas.microsoft.com/office/drawing/2014/main" id="{3599FEA3-4F81-C443-8D08-86B90766076C}"/>
+              </a:ext>
+            </a:extLst>
+          </p:cNvPr>
+          <p:cNvPicPr>
+            <a:picLocks noChangeAspect="1"/>
+          </p:cNvPicPr>
+          <p:nvPr/>
+        </p:nvPicPr>
+        <p:blipFill>
+          <a:blip r:embed="rId6"/>
+          <a:stretch>
+            <a:fillRect/>
+          </a:stretch>
+        </p:blipFill>
+        <p:spPr>
+          <a:xfrm>
+            <a:off x="4329247" y="3204759"/>
+            <a:ext cx="178085" cy="255997"/>
+          </a:xfrm>
+          <a:prstGeom prst="rect">
+            <a:avLst/>
+          </a:prstGeom>
+          <a:solidFill>
+            <a:schemeClr val="bg1"/>
+          </a:solidFill>
+        </p:spPr>
+      </p:pic>
+      <p:grpSp>
+        <p:nvGrpSpPr>
+          <p:cNvPr id="22" name="Group 21">
+            <a:extLst>
+              <a:ext uri="{FF2B5EF4-FFF2-40B4-BE49-F238E27FC236}">
+                <a16:creationId xmlns:a16="http://schemas.microsoft.com/office/drawing/2014/main" id="{0B7A75CB-6643-9E4A-AB3C-5EE48F308E95}"/>
+              </a:ext>
+            </a:extLst>
+          </p:cNvPr>
+          <p:cNvGrpSpPr/>
+          <p:nvPr/>
+        </p:nvGrpSpPr>
+        <p:grpSpPr>
+          <a:xfrm>
+            <a:off x="3601037" y="2898553"/>
+            <a:ext cx="1780524" cy="1432038"/>
+            <a:chOff x="3756533" y="2966864"/>
+            <a:chExt cx="1780524" cy="1432038"/>
+          </a:xfrm>
+        </p:grpSpPr>
+        <p:cxnSp>
+          <p:nvCxnSpPr>
+            <p:cNvPr id="23" name="Straight Arrow Connector 22">
+              <a:extLst>
+                <a:ext uri="{FF2B5EF4-FFF2-40B4-BE49-F238E27FC236}">
+                  <a16:creationId xmlns:a16="http://schemas.microsoft.com/office/drawing/2014/main" id="{BE86DA8C-816B-D04C-A755-AF4B7AF9067C}"/>
+                </a:ext>
+              </a:extLst>
+            </p:cNvPr>
+            <p:cNvCxnSpPr>
+              <a:cxnSpLocks/>
+              <a:endCxn id="15" idx="3"/>
+            </p:cNvCxnSpPr>
+            <p:nvPr/>
+          </p:nvCxnSpPr>
+          <p:spPr>
+            <a:xfrm flipV="1">
+              <a:off x="4867656" y="2980119"/>
+              <a:ext cx="647237" cy="494892"/>
+            </a:xfrm>
+            <a:prstGeom prst="straightConnector1">
+              <a:avLst/>
+            </a:prstGeom>
+            <a:ln w="34925">
+              <a:solidFill>
+                <a:srgbClr val="FF0000"/>
+              </a:solidFill>
+              <a:headEnd type="triangle"/>
+              <a:tailEnd type="triangle"/>
+            </a:ln>
+          </p:spPr>
+          <p:style>
+            <a:lnRef idx="2">
+              <a:schemeClr val="accent1"/>
+            </a:lnRef>
+            <a:fillRef idx="0">
+              <a:schemeClr val="accent1"/>
+            </a:fillRef>
+            <a:effectRef idx="1">
+              <a:schemeClr val="accent1"/>
+            </a:effectRef>
+            <a:fontRef idx="minor">
+              <a:schemeClr val="tx1"/>
+            </a:fontRef>
+          </p:style>
+        </p:cxnSp>
+        <p:cxnSp>
+          <p:nvCxnSpPr>
+            <p:cNvPr id="24" name="Straight Arrow Connector 23">
+              <a:extLst>
+                <a:ext uri="{FF2B5EF4-FFF2-40B4-BE49-F238E27FC236}">
+                  <a16:creationId xmlns:a16="http://schemas.microsoft.com/office/drawing/2014/main" id="{CF9C3D7E-8F27-0F4F-B950-1655FE5E4D42}"/>
+                </a:ext>
+              </a:extLst>
+            </p:cNvPr>
+            <p:cNvCxnSpPr>
+              <a:cxnSpLocks/>
+              <a:endCxn id="16" idx="7"/>
+            </p:cNvCxnSpPr>
+            <p:nvPr/>
+          </p:nvCxnSpPr>
+          <p:spPr>
+            <a:xfrm>
+              <a:off x="4867656" y="3475010"/>
+              <a:ext cx="669401" cy="923892"/>
+            </a:xfrm>
+            <a:prstGeom prst="straightConnector1">
+              <a:avLst/>
+            </a:prstGeom>
+            <a:ln w="34925">
+              <a:solidFill>
+                <a:srgbClr val="FF0000"/>
+              </a:solidFill>
+              <a:headEnd type="triangle"/>
+              <a:tailEnd type="triangle"/>
+            </a:ln>
+          </p:spPr>
+          <p:style>
+            <a:lnRef idx="2">
+              <a:schemeClr val="accent1"/>
+            </a:lnRef>
+            <a:fillRef idx="0">
+              <a:schemeClr val="accent1"/>
+            </a:fillRef>
+            <a:effectRef idx="1">
+              <a:schemeClr val="accent1"/>
+            </a:effectRef>
+            <a:fontRef idx="minor">
+              <a:schemeClr val="tx1"/>
+            </a:fontRef>
+          </p:style>
+        </p:cxnSp>
+        <p:cxnSp>
+          <p:nvCxnSpPr>
+            <p:cNvPr id="25" name="Straight Arrow Connector 24">
+              <a:extLst>
+                <a:ext uri="{FF2B5EF4-FFF2-40B4-BE49-F238E27FC236}">
+                  <a16:creationId xmlns:a16="http://schemas.microsoft.com/office/drawing/2014/main" id="{43FACA0A-83D5-1741-A2AE-2747BA551A76}"/>
+                </a:ext>
+              </a:extLst>
+            </p:cNvPr>
+            <p:cNvCxnSpPr>
+              <a:cxnSpLocks/>
+              <a:stCxn id="14" idx="5"/>
+            </p:cNvCxnSpPr>
+            <p:nvPr/>
+          </p:nvCxnSpPr>
+          <p:spPr>
+            <a:xfrm>
+              <a:off x="3756533" y="2966864"/>
+              <a:ext cx="1111123" cy="508146"/>
+            </a:xfrm>
+            <a:prstGeom prst="straightConnector1">
+              <a:avLst/>
+            </a:prstGeom>
+            <a:ln w="34925">
+              <a:solidFill>
+                <a:srgbClr val="FF0000"/>
+              </a:solidFill>
+              <a:headEnd type="triangle"/>
+              <a:tailEnd type="triangle"/>
+            </a:ln>
+          </p:spPr>
+          <p:style>
+            <a:lnRef idx="2">
+              <a:schemeClr val="accent1"/>
+            </a:lnRef>
+            <a:fillRef idx="0">
+              <a:schemeClr val="accent1"/>
+            </a:fillRef>
+            <a:effectRef idx="1">
+              <a:schemeClr val="accent1"/>
+            </a:effectRef>
+            <a:fontRef idx="minor">
+              <a:schemeClr val="tx1"/>
+            </a:fontRef>
+          </p:style>
+        </p:cxnSp>
+      </p:grpSp>
+      <p:sp>
+        <p:nvSpPr>
+          <p:cNvPr id="26" name="Oval 25">
+            <a:extLst>
+              <a:ext uri="{FF2B5EF4-FFF2-40B4-BE49-F238E27FC236}">
+                <a16:creationId xmlns:a16="http://schemas.microsoft.com/office/drawing/2014/main" id="{605758DA-408F-E54D-8AEF-8CCEB2AD26B5}"/>
+              </a:ext>
+            </a:extLst>
+          </p:cNvPr>
+          <p:cNvSpPr/>
+          <p:nvPr/>
+        </p:nvSpPr>
+        <p:spPr>
+          <a:xfrm>
+            <a:off x="2788920" y="2148840"/>
+            <a:ext cx="1540327" cy="1444752"/>
+          </a:xfrm>
+          <a:prstGeom prst="ellipse">
+            <a:avLst/>
+          </a:prstGeom>
+          <a:solidFill>
+            <a:srgbClr val="DBEEF4">
+              <a:alpha val="36078"/>
+            </a:srgbClr>
+          </a:solidFill>
+          <a:ln w="28575">
+            <a:solidFill>
+              <a:srgbClr val="0432FF"/>
+            </a:solidFill>
+            <a:prstDash val="sysDash"/>
+          </a:ln>
+        </p:spPr>
+        <p:style>
+          <a:lnRef idx="1">
+            <a:schemeClr val="accent1"/>
+          </a:lnRef>
+          <a:fillRef idx="3">
+            <a:schemeClr val="accent1"/>
+          </a:fillRef>
+          <a:effectRef idx="2">
+            <a:schemeClr val="accent1"/>
+          </a:effectRef>
+          <a:fontRef idx="minor">
+            <a:schemeClr val="lt1"/>
+          </a:fontRef>
+        </p:style>
+        <p:txBody>
+          <a:bodyPr rtlCol="0" anchor="ctr"/>
+          <a:lstStyle/>
+          <a:p>
+            <a:pPr algn="ctr"/>
+            <a:endParaRPr lang="en-US" dirty="0"/>
+          </a:p>
+        </p:txBody>
+      </p:sp>
+      <p:sp>
+        <p:nvSpPr>
+          <p:cNvPr id="27" name="Oval 26">
+            <a:extLst>
+              <a:ext uri="{FF2B5EF4-FFF2-40B4-BE49-F238E27FC236}">
+                <a16:creationId xmlns:a16="http://schemas.microsoft.com/office/drawing/2014/main" id="{3BAAA224-F7D6-CF4E-8FE1-19E15B58B33E}"/>
+              </a:ext>
+            </a:extLst>
+          </p:cNvPr>
+          <p:cNvSpPr/>
+          <p:nvPr/>
+        </p:nvSpPr>
+        <p:spPr>
+          <a:xfrm>
+            <a:off x="4575201" y="3667083"/>
+            <a:ext cx="1540327" cy="1444752"/>
+          </a:xfrm>
+          <a:prstGeom prst="ellipse">
+            <a:avLst/>
+          </a:prstGeom>
+          <a:solidFill>
+            <a:schemeClr val="accent3">
+              <a:lumMod val="20000"/>
+              <a:lumOff val="80000"/>
+              <a:alpha val="36078"/>
+            </a:schemeClr>
+          </a:solidFill>
+          <a:ln w="28575">
+            <a:solidFill>
+              <a:srgbClr val="0432FF"/>
+            </a:solidFill>
+            <a:prstDash val="sysDash"/>
+          </a:ln>
+        </p:spPr>
+        <p:style>
+          <a:lnRef idx="1">
+            <a:schemeClr val="accent1"/>
+          </a:lnRef>
+          <a:fillRef idx="3">
+            <a:schemeClr val="accent1"/>
+          </a:fillRef>
+          <a:effectRef idx="2">
+            <a:schemeClr val="accent1"/>
+          </a:effectRef>
+          <a:fontRef idx="minor">
+            <a:schemeClr val="lt1"/>
+          </a:fontRef>
+        </p:style>
+        <p:txBody>
+          <a:bodyPr rtlCol="0" anchor="ctr"/>
+          <a:lstStyle/>
+          <a:p>
+            <a:pPr algn="ctr"/>
+            <a:endParaRPr lang="en-US" dirty="0"/>
+          </a:p>
+        </p:txBody>
+      </p:sp>
+      <p:sp>
+        <p:nvSpPr>
+          <p:cNvPr id="28" name="Oval 27">
+            <a:extLst>
+              <a:ext uri="{FF2B5EF4-FFF2-40B4-BE49-F238E27FC236}">
+                <a16:creationId xmlns:a16="http://schemas.microsoft.com/office/drawing/2014/main" id="{D0F44DD7-CCCE-9C49-85C0-806B980CCA5A}"/>
+              </a:ext>
+            </a:extLst>
+          </p:cNvPr>
+          <p:cNvSpPr/>
+          <p:nvPr/>
+        </p:nvSpPr>
+        <p:spPr>
+          <a:xfrm>
+            <a:off x="4623110" y="2088135"/>
+            <a:ext cx="1540327" cy="1444752"/>
+          </a:xfrm>
+          <a:prstGeom prst="ellipse">
+            <a:avLst/>
+          </a:prstGeom>
+          <a:solidFill>
+            <a:schemeClr val="accent6">
+              <a:lumMod val="20000"/>
+              <a:lumOff val="80000"/>
+              <a:alpha val="36078"/>
+            </a:schemeClr>
+          </a:solidFill>
+          <a:ln w="28575">
+            <a:solidFill>
+              <a:srgbClr val="0432FF"/>
+            </a:solidFill>
+            <a:prstDash val="sysDash"/>
+          </a:ln>
+        </p:spPr>
+        <p:style>
+          <a:lnRef idx="1">
+            <a:schemeClr val="accent1"/>
+          </a:lnRef>
+          <a:fillRef idx="3">
+            <a:schemeClr val="accent1"/>
+          </a:fillRef>
+          <a:effectRef idx="2">
+            <a:schemeClr val="accent1"/>
+          </a:effectRef>
+          <a:fontRef idx="minor">
+            <a:schemeClr val="lt1"/>
+          </a:fontRef>
+        </p:style>
+        <p:txBody>
+          <a:bodyPr rtlCol="0" anchor="ctr"/>
+          <a:lstStyle/>
+          <a:p>
+            <a:pPr algn="ctr"/>
+            <a:endParaRPr lang="en-US" dirty="0"/>
+          </a:p>
+        </p:txBody>
+      </p:sp>
     </p:spTree>
     <p:extLst>
       <p:ext uri="{BB962C8B-B14F-4D97-AF65-F5344CB8AC3E}">
-        <p14:creationId xmlns:p14="http://schemas.microsoft.com/office/powerpoint/2010/main" val="2200405877"/>
+        <p14:creationId xmlns:p14="http://schemas.microsoft.com/office/powerpoint/2010/main" val="1519596798"/>
       </p:ext>
     </p:extLst>
   </p:cSld>
   <p:clrMapOvr>
     <a:masterClrMapping/>
   </p:clrMapOvr>
+  <p:timing>
+    <p:tnLst>
+      <p:par>
+        <p:cTn id="1" dur="indefinite" restart="never" nodeType="tmRoot">
+          <p:childTnLst>
+            <p:seq concurrent="1" nextAc="seek">
+              <p:cTn id="2" dur="indefinite" nodeType="mainSeq">
+                <p:childTnLst>
+                  <p:par>
+                    <p:cTn id="3" fill="hold">
+                      <p:stCondLst>
+                        <p:cond delay="indefinite"/>
+                      </p:stCondLst>
+                      <p:childTnLst>
+                        <p:par>
+                          <p:cTn id="4" fill="hold">
+                            <p:stCondLst>
+                              <p:cond delay="0"/>
+                            </p:stCondLst>
+                            <p:childTnLst>
+                              <p:par>
+                                <p:cTn id="5" presetID="21" presetClass="entr" presetSubtype="1" fill="hold" nodeType="clickEffect">
+                                  <p:stCondLst>
+                                    <p:cond delay="0"/>
+                                  </p:stCondLst>
+                                  <p:childTnLst>
+                                    <p:set>
+                                      <p:cBhvr>
+                                        <p:cTn id="6" dur="1" fill="hold">
+                                          <p:stCondLst>
+                                            <p:cond delay="0"/>
+                                          </p:stCondLst>
+                                        </p:cTn>
+                                        <p:tgtEl>
+                                          <p:spTgt spid="22"/>
+                                        </p:tgtEl>
+                                        <p:attrNameLst>
+                                          <p:attrName>style.visibility</p:attrName>
+                                        </p:attrNameLst>
+                                      </p:cBhvr>
+                                      <p:to>
+                                        <p:strVal val="visible"/>
+                                      </p:to>
+                                    </p:set>
+                                    <p:animEffect transition="in" filter="wheel(1)">
+                                      <p:cBhvr>
+                                        <p:cTn id="7" dur="2000"/>
+                                        <p:tgtEl>
+                                          <p:spTgt spid="22"/>
+                                        </p:tgtEl>
+                                      </p:cBhvr>
+                                    </p:animEffect>
+                                  </p:childTnLst>
+                                </p:cTn>
+                              </p:par>
+                            </p:childTnLst>
+                          </p:cTn>
+                        </p:par>
+                      </p:childTnLst>
+                    </p:cTn>
+                  </p:par>
+                  <p:par>
+                    <p:cTn id="8" fill="hold">
+                      <p:stCondLst>
+                        <p:cond delay="indefinite"/>
+                      </p:stCondLst>
+                      <p:childTnLst>
+                        <p:par>
+                          <p:cTn id="9" fill="hold">
+                            <p:stCondLst>
+                              <p:cond delay="0"/>
+                            </p:stCondLst>
+                            <p:childTnLst>
+                              <p:par>
+                                <p:cTn id="10" presetID="5" presetClass="exit" presetSubtype="10" fill="hold" nodeType="clickEffect">
+                                  <p:stCondLst>
+                                    <p:cond delay="0"/>
+                                  </p:stCondLst>
+                                  <p:childTnLst>
+                                    <p:animEffect transition="out" filter="checkerboard(across)">
+                                      <p:cBhvr>
+                                        <p:cTn id="11" dur="500"/>
+                                        <p:tgtEl>
+                                          <p:spTgt spid="13"/>
+                                        </p:tgtEl>
+                                      </p:cBhvr>
+                                    </p:animEffect>
+                                    <p:set>
+                                      <p:cBhvr>
+                                        <p:cTn id="12" dur="1" fill="hold">
+                                          <p:stCondLst>
+                                            <p:cond delay="499"/>
+                                          </p:stCondLst>
+                                        </p:cTn>
+                                        <p:tgtEl>
+                                          <p:spTgt spid="13"/>
+                                        </p:tgtEl>
+                                        <p:attrNameLst>
+                                          <p:attrName>style.visibility</p:attrName>
+                                        </p:attrNameLst>
+                                      </p:cBhvr>
+                                      <p:to>
+                                        <p:strVal val="hidden"/>
+                                      </p:to>
+                                    </p:set>
+                                  </p:childTnLst>
+                                </p:cTn>
+                              </p:par>
+                            </p:childTnLst>
+                          </p:cTn>
+                        </p:par>
+                      </p:childTnLst>
+                    </p:cTn>
+                  </p:par>
+                </p:childTnLst>
+              </p:cTn>
+              <p:prevCondLst>
+                <p:cond evt="onPrev" delay="0">
+                  <p:tgtEl>
+                    <p:sldTgt/>
+                  </p:tgtEl>
+                </p:cond>
+              </p:prevCondLst>
+              <p:nextCondLst>
+                <p:cond evt="onNext" delay="0">
+                  <p:tgtEl>
+                    <p:sldTgt/>
+                  </p:tgtEl>
+                </p:cond>
+              </p:nextCondLst>
+            </p:seq>
+          </p:childTnLst>
+        </p:cTn>
+      </p:par>
+    </p:tnLst>
+  </p:timing>
 </p:sld>
 </file>
 
@@ -7179,6 +7675,401 @@
           </a:p>
         </p:txBody>
       </p:sp>
+      <p:pic>
+        <p:nvPicPr>
+          <p:cNvPr id="2" name="Picture 1">
+            <a:extLst>
+              <a:ext uri="{FF2B5EF4-FFF2-40B4-BE49-F238E27FC236}">
+                <a16:creationId xmlns:a16="http://schemas.microsoft.com/office/drawing/2014/main" id="{B3D29C53-8D40-244A-B71E-9E9930680C9A}"/>
+              </a:ext>
+            </a:extLst>
+          </p:cNvPr>
+          <p:cNvPicPr>
+            <a:picLocks noChangeAspect="1"/>
+          </p:cNvPicPr>
+          <p:nvPr/>
+        </p:nvPicPr>
+        <p:blipFill>
+          <a:blip r:embed="rId2"/>
+          <a:stretch>
+            <a:fillRect/>
+          </a:stretch>
+        </p:blipFill>
+        <p:spPr>
+          <a:xfrm>
+            <a:off x="4254079" y="2213110"/>
+            <a:ext cx="4291377" cy="738913"/>
+          </a:xfrm>
+          <a:prstGeom prst="rect">
+            <a:avLst/>
+          </a:prstGeom>
+        </p:spPr>
+      </p:pic>
+      <p:pic>
+        <p:nvPicPr>
+          <p:cNvPr id="9" name="Picture 8">
+            <a:extLst>
+              <a:ext uri="{FF2B5EF4-FFF2-40B4-BE49-F238E27FC236}">
+                <a16:creationId xmlns:a16="http://schemas.microsoft.com/office/drawing/2014/main" id="{3A21CD80-78E0-4742-9714-1BD871DBDEFB}"/>
+              </a:ext>
+            </a:extLst>
+          </p:cNvPr>
+          <p:cNvPicPr>
+            <a:picLocks noChangeAspect="1"/>
+          </p:cNvPicPr>
+          <p:nvPr/>
+        </p:nvPicPr>
+        <p:blipFill>
+          <a:blip r:embed="rId3"/>
+          <a:stretch>
+            <a:fillRect/>
+          </a:stretch>
+        </p:blipFill>
+        <p:spPr>
+          <a:xfrm>
+            <a:off x="725557" y="1958486"/>
+            <a:ext cx="2456688" cy="1050036"/>
+          </a:xfrm>
+          <a:prstGeom prst="rect">
+            <a:avLst/>
+          </a:prstGeom>
+        </p:spPr>
+      </p:pic>
+      <p:sp>
+        <p:nvSpPr>
+          <p:cNvPr id="11" name="TextBox 10">
+            <a:extLst>
+              <a:ext uri="{FF2B5EF4-FFF2-40B4-BE49-F238E27FC236}">
+                <a16:creationId xmlns:a16="http://schemas.microsoft.com/office/drawing/2014/main" id="{3951F9EA-9FEA-EE4A-95F6-56D7381E09FF}"/>
+              </a:ext>
+            </a:extLst>
+          </p:cNvPr>
+          <p:cNvSpPr txBox="1"/>
+          <p:nvPr/>
+        </p:nvSpPr>
+        <p:spPr>
+          <a:xfrm>
+            <a:off x="447925" y="1282581"/>
+            <a:ext cx="3487365" cy="523220"/>
+          </a:xfrm>
+          <a:prstGeom prst="rect">
+            <a:avLst/>
+          </a:prstGeom>
+          <a:noFill/>
+        </p:spPr>
+        <p:txBody>
+          <a:bodyPr wrap="none" rtlCol="0">
+            <a:spAutoFit/>
+          </a:bodyPr>
+          <a:lstStyle/>
+          <a:p>
+            <a:r>
+              <a:rPr lang="en-US" sz="2800" dirty="0" err="1"/>
+              <a:t>Covarianza</a:t>
+            </a:r>
+            <a:r>
+              <a:rPr lang="en-US" sz="2800" dirty="0"/>
+              <a:t>  Intra-</a:t>
+            </a:r>
+            <a:r>
+              <a:rPr lang="en-US" sz="2800" dirty="0" err="1"/>
+              <a:t>Clase</a:t>
+            </a:r>
+            <a:endParaRPr lang="en-US" sz="2800" dirty="0"/>
+          </a:p>
+        </p:txBody>
+      </p:sp>
+      <p:sp>
+        <p:nvSpPr>
+          <p:cNvPr id="12" name="TextBox 11">
+            <a:extLst>
+              <a:ext uri="{FF2B5EF4-FFF2-40B4-BE49-F238E27FC236}">
+                <a16:creationId xmlns:a16="http://schemas.microsoft.com/office/drawing/2014/main" id="{3EF38E94-4E57-AB44-99C4-060E6E537DD5}"/>
+              </a:ext>
+            </a:extLst>
+          </p:cNvPr>
+          <p:cNvSpPr txBox="1"/>
+          <p:nvPr/>
+        </p:nvSpPr>
+        <p:spPr>
+          <a:xfrm>
+            <a:off x="4424146" y="1282581"/>
+            <a:ext cx="3486788" cy="523220"/>
+          </a:xfrm>
+          <a:prstGeom prst="rect">
+            <a:avLst/>
+          </a:prstGeom>
+          <a:noFill/>
+        </p:spPr>
+        <p:txBody>
+          <a:bodyPr wrap="none" rtlCol="0">
+            <a:spAutoFit/>
+          </a:bodyPr>
+          <a:lstStyle/>
+          <a:p>
+            <a:r>
+              <a:rPr lang="en-US" sz="2800" dirty="0" err="1"/>
+              <a:t>Covarianza</a:t>
+            </a:r>
+            <a:r>
+              <a:rPr lang="en-US" sz="2800" dirty="0"/>
+              <a:t>  Inter-</a:t>
+            </a:r>
+            <a:r>
+              <a:rPr lang="en-US" sz="2800" dirty="0" err="1"/>
+              <a:t>Clase</a:t>
+            </a:r>
+            <a:endParaRPr lang="en-US" sz="2800" dirty="0"/>
+          </a:p>
+        </p:txBody>
+      </p:sp>
+      <p:sp>
+        <p:nvSpPr>
+          <p:cNvPr id="3" name="TextBox 2">
+            <a:extLst>
+              <a:ext uri="{FF2B5EF4-FFF2-40B4-BE49-F238E27FC236}">
+                <a16:creationId xmlns:a16="http://schemas.microsoft.com/office/drawing/2014/main" id="{4829C1E9-4CB5-054B-8024-DE9809CF8A55}"/>
+              </a:ext>
+            </a:extLst>
+          </p:cNvPr>
+          <p:cNvSpPr txBox="1"/>
+          <p:nvPr/>
+        </p:nvSpPr>
+        <p:spPr>
+          <a:xfrm>
+            <a:off x="5346770" y="3174666"/>
+            <a:ext cx="1642116" cy="369332"/>
+          </a:xfrm>
+          <a:prstGeom prst="rect">
+            <a:avLst/>
+          </a:prstGeom>
+          <a:noFill/>
+        </p:spPr>
+        <p:txBody>
+          <a:bodyPr wrap="none" rtlCol="0">
+            <a:spAutoFit/>
+          </a:bodyPr>
+          <a:lstStyle/>
+          <a:p>
+            <a:r>
+              <a:rPr lang="en-US" dirty="0"/>
+              <a:t>DEBE SER ALTA!</a:t>
+            </a:r>
+          </a:p>
+        </p:txBody>
+      </p:sp>
+      <p:sp>
+        <p:nvSpPr>
+          <p:cNvPr id="14" name="TextBox 13">
+            <a:extLst>
+              <a:ext uri="{FF2B5EF4-FFF2-40B4-BE49-F238E27FC236}">
+                <a16:creationId xmlns:a16="http://schemas.microsoft.com/office/drawing/2014/main" id="{C503AEA8-8342-F04C-8DBB-23EF0FF50BD4}"/>
+              </a:ext>
+            </a:extLst>
+          </p:cNvPr>
+          <p:cNvSpPr txBox="1"/>
+          <p:nvPr/>
+        </p:nvSpPr>
+        <p:spPr>
+          <a:xfrm>
+            <a:off x="1132843" y="3174666"/>
+            <a:ext cx="1662186" cy="369332"/>
+          </a:xfrm>
+          <a:prstGeom prst="rect">
+            <a:avLst/>
+          </a:prstGeom>
+          <a:noFill/>
+        </p:spPr>
+        <p:txBody>
+          <a:bodyPr wrap="none" rtlCol="0">
+            <a:spAutoFit/>
+          </a:bodyPr>
+          <a:lstStyle/>
+          <a:p>
+            <a:r>
+              <a:rPr lang="en-US" dirty="0"/>
+              <a:t>DEBE SER BAJA!</a:t>
+            </a:r>
+          </a:p>
+        </p:txBody>
+      </p:sp>
+      <p:pic>
+        <p:nvPicPr>
+          <p:cNvPr id="5" name="Picture 4">
+            <a:extLst>
+              <a:ext uri="{FF2B5EF4-FFF2-40B4-BE49-F238E27FC236}">
+                <a16:creationId xmlns:a16="http://schemas.microsoft.com/office/drawing/2014/main" id="{E18C0584-6037-E343-8A68-09E383F46623}"/>
+              </a:ext>
+            </a:extLst>
+          </p:cNvPr>
+          <p:cNvPicPr>
+            <a:picLocks noChangeAspect="1"/>
+          </p:cNvPicPr>
+          <p:nvPr/>
+        </p:nvPicPr>
+        <p:blipFill>
+          <a:blip r:embed="rId4"/>
+          <a:stretch>
+            <a:fillRect/>
+          </a:stretch>
+        </p:blipFill>
+        <p:spPr>
+          <a:xfrm>
+            <a:off x="2763517" y="4472039"/>
+            <a:ext cx="3594100" cy="571500"/>
+          </a:xfrm>
+          <a:prstGeom prst="rect">
+            <a:avLst/>
+          </a:prstGeom>
+        </p:spPr>
+      </p:pic>
+      <p:sp>
+        <p:nvSpPr>
+          <p:cNvPr id="16" name="TextBox 15">
+            <a:extLst>
+              <a:ext uri="{FF2B5EF4-FFF2-40B4-BE49-F238E27FC236}">
+                <a16:creationId xmlns:a16="http://schemas.microsoft.com/office/drawing/2014/main" id="{AA882995-8FB4-C849-8AEF-AA91D6D81250}"/>
+              </a:ext>
+            </a:extLst>
+          </p:cNvPr>
+          <p:cNvSpPr txBox="1"/>
+          <p:nvPr/>
+        </p:nvSpPr>
+        <p:spPr>
+          <a:xfrm>
+            <a:off x="3934713" y="6025570"/>
+            <a:ext cx="2066591" cy="369332"/>
+          </a:xfrm>
+          <a:prstGeom prst="rect">
+            <a:avLst/>
+          </a:prstGeom>
+          <a:noFill/>
+        </p:spPr>
+        <p:txBody>
+          <a:bodyPr wrap="none" rtlCol="0">
+            <a:spAutoFit/>
+          </a:bodyPr>
+          <a:lstStyle/>
+          <a:p>
+            <a:r>
+              <a:rPr lang="en-US" dirty="0"/>
+              <a:t>Suma de la diagonal</a:t>
+            </a:r>
+            <a:endParaRPr lang="en-US" i="1" dirty="0">
+              <a:latin typeface="Times New Roman" panose="02020603050405020304" pitchFamily="18" charset="0"/>
+              <a:cs typeface="Times New Roman" panose="02020603050405020304" pitchFamily="18" charset="0"/>
+            </a:endParaRPr>
+          </a:p>
+        </p:txBody>
+      </p:sp>
+      <p:cxnSp>
+        <p:nvCxnSpPr>
+          <p:cNvPr id="17" name="Straight Arrow Connector 16">
+            <a:extLst>
+              <a:ext uri="{FF2B5EF4-FFF2-40B4-BE49-F238E27FC236}">
+                <a16:creationId xmlns:a16="http://schemas.microsoft.com/office/drawing/2014/main" id="{D1FB69CD-36A9-FA46-8A45-B4318B27F32B}"/>
+              </a:ext>
+            </a:extLst>
+          </p:cNvPr>
+          <p:cNvCxnSpPr/>
+          <p:nvPr/>
+        </p:nvCxnSpPr>
+        <p:spPr>
+          <a:xfrm flipV="1">
+            <a:off x="4183191" y="5110670"/>
+            <a:ext cx="0" cy="859733"/>
+          </a:xfrm>
+          <a:prstGeom prst="straightConnector1">
+            <a:avLst/>
+          </a:prstGeom>
+          <a:ln>
+            <a:tailEnd type="triangle"/>
+          </a:ln>
+        </p:spPr>
+        <p:style>
+          <a:lnRef idx="2">
+            <a:schemeClr val="accent1"/>
+          </a:lnRef>
+          <a:fillRef idx="0">
+            <a:schemeClr val="accent1"/>
+          </a:fillRef>
+          <a:effectRef idx="1">
+            <a:schemeClr val="accent1"/>
+          </a:effectRef>
+          <a:fontRef idx="minor">
+            <a:schemeClr val="tx1"/>
+          </a:fontRef>
+        </p:style>
+      </p:cxnSp>
+    </p:spTree>
+    <p:extLst>
+      <p:ext uri="{BB962C8B-B14F-4D97-AF65-F5344CB8AC3E}">
+        <p14:creationId xmlns:p14="http://schemas.microsoft.com/office/powerpoint/2010/main" val="2200405877"/>
+      </p:ext>
+    </p:extLst>
+  </p:cSld>
+  <p:clrMapOvr>
+    <a:masterClrMapping/>
+  </p:clrMapOvr>
+</p:sld>
+</file>
+
+<file path=ppt/slides/slide16.xml><?xml version="1.0" encoding="utf-8"?>
+<p:sld xmlns:a="http://schemas.openxmlformats.org/drawingml/2006/main" xmlns:r="http://schemas.openxmlformats.org/officeDocument/2006/relationships" xmlns:p="http://schemas.openxmlformats.org/presentationml/2006/main">
+  <p:cSld>
+    <p:spTree>
+      <p:nvGrpSpPr>
+        <p:cNvPr id="1" name=""/>
+        <p:cNvGrpSpPr/>
+        <p:nvPr/>
+      </p:nvGrpSpPr>
+      <p:grpSpPr>
+        <a:xfrm>
+          <a:off x="0" y="0"/>
+          <a:ext cx="0" cy="0"/>
+          <a:chOff x="0" y="0"/>
+          <a:chExt cx="0" cy="0"/>
+        </a:xfrm>
+      </p:grpSpPr>
+      <p:sp>
+        <p:nvSpPr>
+          <p:cNvPr id="51" name="TextBox 50">
+            <a:extLst>
+              <a:ext uri="{FF2B5EF4-FFF2-40B4-BE49-F238E27FC236}">
+                <a16:creationId xmlns:a16="http://schemas.microsoft.com/office/drawing/2014/main" id="{C199BEB5-C6F4-2048-90BC-9EF28C6FA447}"/>
+              </a:ext>
+            </a:extLst>
+          </p:cNvPr>
+          <p:cNvSpPr txBox="1"/>
+          <p:nvPr/>
+        </p:nvSpPr>
+        <p:spPr>
+          <a:xfrm>
+            <a:off x="360769" y="395126"/>
+            <a:ext cx="3893310" cy="707886"/>
+          </a:xfrm>
+          <a:prstGeom prst="rect">
+            <a:avLst/>
+          </a:prstGeom>
+          <a:noFill/>
+        </p:spPr>
+        <p:txBody>
+          <a:bodyPr wrap="none" rtlCol="0">
+            <a:spAutoFit/>
+          </a:bodyPr>
+          <a:lstStyle/>
+          <a:p>
+            <a:r>
+              <a:rPr lang="en-US" sz="4000" dirty="0" err="1"/>
+              <a:t>Criterio</a:t>
+            </a:r>
+            <a:r>
+              <a:rPr lang="en-US" sz="4000" dirty="0"/>
+              <a:t> de Fisher:</a:t>
+            </a:r>
+          </a:p>
+        </p:txBody>
+      </p:sp>
       <p:sp>
         <p:nvSpPr>
           <p:cNvPr id="11" name="TextBox 10">
@@ -7265,22 +8156,52 @@
           </a:p>
           <a:p>
             <a:r>
-              <a:rPr lang="en-US" sz="2800" dirty="0"/>
+              <a:rPr lang="en-US" sz="2800" dirty="0">
+                <a:solidFill>
+                  <a:schemeClr val="accent6">
+                    <a:lumMod val="75000"/>
+                  </a:schemeClr>
+                </a:solidFill>
+              </a:rPr>
               <a:t>Las matrices de </a:t>
             </a:r>
             <a:r>
-              <a:rPr lang="en-US" sz="2800" dirty="0" err="1"/>
+              <a:rPr lang="en-US" sz="2800" dirty="0" err="1">
+                <a:solidFill>
+                  <a:schemeClr val="accent6">
+                    <a:lumMod val="75000"/>
+                  </a:schemeClr>
+                </a:solidFill>
+              </a:rPr>
               <a:t>covarianza</a:t>
             </a:r>
             <a:r>
-              <a:rPr lang="en-US" sz="2800" dirty="0"/>
+              <a:rPr lang="en-US" sz="2800" dirty="0">
+                <a:solidFill>
+                  <a:schemeClr val="accent6">
+                    <a:lumMod val="75000"/>
+                  </a:schemeClr>
+                </a:solidFill>
+              </a:rPr>
               <a:t> son de m x m, J es un </a:t>
             </a:r>
             <a:r>
-              <a:rPr lang="en-US" sz="2800" dirty="0" err="1"/>
+              <a:rPr lang="en-US" sz="2800" dirty="0" err="1">
+                <a:solidFill>
+                  <a:schemeClr val="accent6">
+                    <a:lumMod val="75000"/>
+                  </a:schemeClr>
+                </a:solidFill>
+              </a:rPr>
               <a:t>escalar</a:t>
             </a:r>
-            <a:endParaRPr lang="en-US" sz="2800" dirty="0"/>
+            <a:endParaRPr lang="en-US" sz="2800" dirty="0">
+              <a:solidFill>
+                <a:schemeClr val="accent6">
+                  <a:lumMod val="75000"/>
+                </a:schemeClr>
+              </a:solidFill>
+            </a:endParaRPr>
           </a:p>
         </p:txBody>
       </p:sp>

--- a/clases/Cap03_Seleccion_de_Caracteristicas/presentations/PAT03_Fisher_Covarianzas.pptx
+++ b/clases/Cap03_Seleccion_de_Caracteristicas/presentations/PAT03_Fisher_Covarianzas.pptx
@@ -223,7 +223,7 @@
           <a:p>
             <a:fld id="{A31E74E5-43EB-8941-84E7-E76CE2DEF1CC}" type="datetimeFigureOut">
               <a:rPr lang="en-US" smtClean="0"/>
-              <a:t>4/29/21</a:t>
+              <a:t>4/26/22</a:t>
             </a:fld>
             <a:endParaRPr lang="en-US"/>
           </a:p>
@@ -757,7 +757,7 @@
           <a:p>
             <a:fld id="{8BD5799D-8AC1-7647-9F4D-35F314575207}" type="datetimeFigureOut">
               <a:rPr lang="en-US" smtClean="0"/>
-              <a:t>4/29/21</a:t>
+              <a:t>4/26/22</a:t>
             </a:fld>
             <a:endParaRPr lang="en-US"/>
           </a:p>
@@ -925,7 +925,7 @@
           <a:p>
             <a:fld id="{8BD5799D-8AC1-7647-9F4D-35F314575207}" type="datetimeFigureOut">
               <a:rPr lang="en-US" smtClean="0"/>
-              <a:t>4/29/21</a:t>
+              <a:t>4/26/22</a:t>
             </a:fld>
             <a:endParaRPr lang="en-US"/>
           </a:p>
@@ -1103,7 +1103,7 @@
           <a:p>
             <a:fld id="{8BD5799D-8AC1-7647-9F4D-35F314575207}" type="datetimeFigureOut">
               <a:rPr lang="en-US" smtClean="0"/>
-              <a:t>4/29/21</a:t>
+              <a:t>4/26/22</a:t>
             </a:fld>
             <a:endParaRPr lang="en-US"/>
           </a:p>
@@ -1271,7 +1271,7 @@
           <a:p>
             <a:fld id="{8BD5799D-8AC1-7647-9F4D-35F314575207}" type="datetimeFigureOut">
               <a:rPr lang="en-US" smtClean="0"/>
-              <a:t>4/29/21</a:t>
+              <a:t>4/26/22</a:t>
             </a:fld>
             <a:endParaRPr lang="en-US"/>
           </a:p>
@@ -1516,7 +1516,7 @@
           <a:p>
             <a:fld id="{8BD5799D-8AC1-7647-9F4D-35F314575207}" type="datetimeFigureOut">
               <a:rPr lang="en-US" smtClean="0"/>
-              <a:t>4/29/21</a:t>
+              <a:t>4/26/22</a:t>
             </a:fld>
             <a:endParaRPr lang="en-US"/>
           </a:p>
@@ -1801,7 +1801,7 @@
           <a:p>
             <a:fld id="{8BD5799D-8AC1-7647-9F4D-35F314575207}" type="datetimeFigureOut">
               <a:rPr lang="en-US" smtClean="0"/>
-              <a:t>4/29/21</a:t>
+              <a:t>4/26/22</a:t>
             </a:fld>
             <a:endParaRPr lang="en-US"/>
           </a:p>
@@ -2220,7 +2220,7 @@
           <a:p>
             <a:fld id="{8BD5799D-8AC1-7647-9F4D-35F314575207}" type="datetimeFigureOut">
               <a:rPr lang="en-US" smtClean="0"/>
-              <a:t>4/29/21</a:t>
+              <a:t>4/26/22</a:t>
             </a:fld>
             <a:endParaRPr lang="en-US"/>
           </a:p>
@@ -2337,7 +2337,7 @@
           <a:p>
             <a:fld id="{8BD5799D-8AC1-7647-9F4D-35F314575207}" type="datetimeFigureOut">
               <a:rPr lang="en-US" smtClean="0"/>
-              <a:t>4/29/21</a:t>
+              <a:t>4/26/22</a:t>
             </a:fld>
             <a:endParaRPr lang="en-US"/>
           </a:p>
@@ -2432,7 +2432,7 @@
           <a:p>
             <a:fld id="{8BD5799D-8AC1-7647-9F4D-35F314575207}" type="datetimeFigureOut">
               <a:rPr lang="en-US" smtClean="0"/>
-              <a:t>4/29/21</a:t>
+              <a:t>4/26/22</a:t>
             </a:fld>
             <a:endParaRPr lang="en-US"/>
           </a:p>
@@ -2707,7 +2707,7 @@
           <a:p>
             <a:fld id="{8BD5799D-8AC1-7647-9F4D-35F314575207}" type="datetimeFigureOut">
               <a:rPr lang="en-US" smtClean="0"/>
-              <a:t>4/29/21</a:t>
+              <a:t>4/26/22</a:t>
             </a:fld>
             <a:endParaRPr lang="en-US"/>
           </a:p>
@@ -2959,7 +2959,7 @@
           <a:p>
             <a:fld id="{8BD5799D-8AC1-7647-9F4D-35F314575207}" type="datetimeFigureOut">
               <a:rPr lang="en-US" smtClean="0"/>
-              <a:t>4/29/21</a:t>
+              <a:t>4/26/22</a:t>
             </a:fld>
             <a:endParaRPr lang="en-US"/>
           </a:p>
@@ -3170,7 +3170,7 @@
           <a:p>
             <a:fld id="{8BD5799D-8AC1-7647-9F4D-35F314575207}" type="datetimeFigureOut">
               <a:rPr lang="en-US" smtClean="0"/>
-              <a:t>4/29/21</a:t>
+              <a:t>4/26/22</a:t>
             </a:fld>
             <a:endParaRPr lang="en-US"/>
           </a:p>
@@ -3912,7 +3912,7 @@
                 </a:solidFill>
                 <a:latin typeface="Trebuchet MS" pitchFamily="34" charset="0"/>
               </a:rPr>
-              <a:t>Departmento de Ciencia de la Computación</a:t>
+              <a:t>Departamento de Ciencia de la Computación</a:t>
             </a:r>
           </a:p>
           <a:p>
@@ -11487,6 +11487,154 @@
           </p:style>
         </p:cxnSp>
       </p:grpSp>
+      <p:grpSp>
+        <p:nvGrpSpPr>
+          <p:cNvPr id="5" name="Group 4">
+            <a:extLst>
+              <a:ext uri="{FF2B5EF4-FFF2-40B4-BE49-F238E27FC236}">
+                <a16:creationId xmlns:a16="http://schemas.microsoft.com/office/drawing/2014/main" id="{A785C8D6-F106-22E9-3940-B8E6C8BF4A86}"/>
+              </a:ext>
+            </a:extLst>
+          </p:cNvPr>
+          <p:cNvGrpSpPr/>
+          <p:nvPr/>
+        </p:nvGrpSpPr>
+        <p:grpSpPr>
+          <a:xfrm>
+            <a:off x="3387682" y="1713883"/>
+            <a:ext cx="1233405" cy="3537052"/>
+            <a:chOff x="3387682" y="1713883"/>
+            <a:chExt cx="1233405" cy="3537052"/>
+          </a:xfrm>
+        </p:grpSpPr>
+        <p:sp>
+          <p:nvSpPr>
+            <p:cNvPr id="2" name="Left Brace 1">
+              <a:extLst>
+                <a:ext uri="{FF2B5EF4-FFF2-40B4-BE49-F238E27FC236}">
+                  <a16:creationId xmlns:a16="http://schemas.microsoft.com/office/drawing/2014/main" id="{8CDED487-5E00-30B4-6B5C-B1060B994D2F}"/>
+                </a:ext>
+              </a:extLst>
+            </p:cNvPr>
+            <p:cNvSpPr/>
+            <p:nvPr/>
+          </p:nvSpPr>
+          <p:spPr>
+            <a:xfrm rot="16200000">
+              <a:off x="3864937" y="1237134"/>
+              <a:ext cx="279401" cy="1232899"/>
+            </a:xfrm>
+            <a:prstGeom prst="leftBrace">
+              <a:avLst/>
+            </a:prstGeom>
+          </p:spPr>
+          <p:style>
+            <a:lnRef idx="3">
+              <a:schemeClr val="accent5"/>
+            </a:lnRef>
+            <a:fillRef idx="0">
+              <a:schemeClr val="accent5"/>
+            </a:fillRef>
+            <a:effectRef idx="2">
+              <a:schemeClr val="accent5"/>
+            </a:effectRef>
+            <a:fontRef idx="minor">
+              <a:schemeClr val="tx1"/>
+            </a:fontRef>
+          </p:style>
+          <p:txBody>
+            <a:bodyPr rtlCol="0" anchor="ctr"/>
+            <a:lstStyle/>
+            <a:p>
+              <a:pPr algn="ctr"/>
+              <a:endParaRPr lang="es-ES_tradnl"/>
+            </a:p>
+          </p:txBody>
+        </p:sp>
+        <p:sp>
+          <p:nvSpPr>
+            <p:cNvPr id="22" name="Left Brace 21">
+              <a:extLst>
+                <a:ext uri="{FF2B5EF4-FFF2-40B4-BE49-F238E27FC236}">
+                  <a16:creationId xmlns:a16="http://schemas.microsoft.com/office/drawing/2014/main" id="{2E37737C-0CF8-EC1B-047A-0F33981EDC2A}"/>
+                </a:ext>
+              </a:extLst>
+            </p:cNvPr>
+            <p:cNvSpPr/>
+            <p:nvPr/>
+          </p:nvSpPr>
+          <p:spPr>
+            <a:xfrm rot="8686345">
+              <a:off x="3387682" y="3931098"/>
+              <a:ext cx="347326" cy="1319837"/>
+            </a:xfrm>
+            <a:prstGeom prst="leftBrace">
+              <a:avLst/>
+            </a:prstGeom>
+          </p:spPr>
+          <p:style>
+            <a:lnRef idx="3">
+              <a:schemeClr val="accent5"/>
+            </a:lnRef>
+            <a:fillRef idx="0">
+              <a:schemeClr val="accent5"/>
+            </a:fillRef>
+            <a:effectRef idx="2">
+              <a:schemeClr val="accent5"/>
+            </a:effectRef>
+            <a:fontRef idx="minor">
+              <a:schemeClr val="tx1"/>
+            </a:fontRef>
+          </p:style>
+          <p:txBody>
+            <a:bodyPr rtlCol="0" anchor="ctr"/>
+            <a:lstStyle/>
+            <a:p>
+              <a:pPr algn="ctr"/>
+              <a:endParaRPr lang="es-ES_tradnl"/>
+            </a:p>
+          </p:txBody>
+        </p:sp>
+        <p:cxnSp>
+          <p:nvCxnSpPr>
+            <p:cNvPr id="4" name="Straight Connector 3">
+              <a:extLst>
+                <a:ext uri="{FF2B5EF4-FFF2-40B4-BE49-F238E27FC236}">
+                  <a16:creationId xmlns:a16="http://schemas.microsoft.com/office/drawing/2014/main" id="{360115FA-9AC0-0962-58FE-84B6012A9058}"/>
+                </a:ext>
+              </a:extLst>
+            </p:cNvPr>
+            <p:cNvCxnSpPr/>
+            <p:nvPr/>
+          </p:nvCxnSpPr>
+          <p:spPr>
+            <a:xfrm flipH="1">
+              <a:off x="3770860" y="2184952"/>
+              <a:ext cx="207368" cy="2232219"/>
+            </a:xfrm>
+            <a:prstGeom prst="line">
+              <a:avLst/>
+            </a:prstGeom>
+            <a:ln>
+              <a:prstDash val="dash"/>
+            </a:ln>
+          </p:spPr>
+          <p:style>
+            <a:lnRef idx="2">
+              <a:schemeClr val="accent1"/>
+            </a:lnRef>
+            <a:fillRef idx="0">
+              <a:schemeClr val="accent1"/>
+            </a:fillRef>
+            <a:effectRef idx="1">
+              <a:schemeClr val="accent1"/>
+            </a:effectRef>
+            <a:fontRef idx="minor">
+              <a:schemeClr val="tx1"/>
+            </a:fontRef>
+          </p:style>
+        </p:cxnSp>
+      </p:grpSp>
     </p:spTree>
     <p:extLst>
       <p:ext uri="{BB962C8B-B14F-4D97-AF65-F5344CB8AC3E}">
@@ -11586,6 +11734,59 @@
                                         <p:strVal val="visible"/>
                                       </p:to>
                                     </p:set>
+                                  </p:childTnLst>
+                                </p:cTn>
+                              </p:par>
+                            </p:childTnLst>
+                          </p:cTn>
+                        </p:par>
+                      </p:childTnLst>
+                    </p:cTn>
+                  </p:par>
+                  <p:par>
+                    <p:cTn id="11" fill="hold">
+                      <p:stCondLst>
+                        <p:cond delay="indefinite"/>
+                      </p:stCondLst>
+                      <p:childTnLst>
+                        <p:par>
+                          <p:cTn id="12" fill="hold">
+                            <p:stCondLst>
+                              <p:cond delay="0"/>
+                            </p:stCondLst>
+                            <p:childTnLst>
+                              <p:par>
+                                <p:cTn id="13" presetID="22" presetClass="entr" presetSubtype="4" fill="hold" nodeType="clickEffect">
+                                  <p:stCondLst>
+                                    <p:cond delay="0"/>
+                                  </p:stCondLst>
+                                  <p:childTnLst>
+                                    <p:set>
+                                      <p:cBhvr>
+                                        <p:cTn id="14" dur="1" fill="hold">
+                                          <p:stCondLst>
+                                            <p:cond delay="0"/>
+                                          </p:stCondLst>
+                                        </p:cTn>
+                                        <p:tgtEl>
+                                          <p:spTgt spid="5"/>
+                                        </p:tgtEl>
+                                        <p:attrNameLst>
+                                          <p:attrName>style.visibility</p:attrName>
+                                        </p:attrNameLst>
+                                      </p:cBhvr>
+                                      <p:to>
+                                        <p:strVal val="visible"/>
+                                      </p:to>
+                                    </p:set>
+                                    <p:animEffect transition="in" filter="wipe(down)">
+                                      <p:cBhvr>
+                                        <p:cTn id="15" dur="500"/>
+                                        <p:tgtEl>
+                                          <p:spTgt spid="5"/>
+                                        </p:tgtEl>
+                                      </p:cBhvr>
+                                    </p:animEffect>
                                   </p:childTnLst>
                                 </p:cTn>
                               </p:par>
